--- a/Demo/Demo4.pptx
+++ b/Demo/Demo4.pptx
@@ -3971,29 +3971,7 @@
                 <a:ea typeface="Arial Unicode MS" pitchFamily="34" charset="-128"/>
                 <a:cs typeface="Arial Unicode MS" pitchFamily="34" charset="-128"/>
               </a:rPr>
-              <a:t>~ </a:t>
-            </a:r>
-            <a:r>
-              <a:rPr lang="en-US" sz="3300" dirty="0" smtClean="0">
-                <a:ln>
-                  <a:solidFill>
-                    <a:schemeClr val="bg1">
-                      <a:lumMod val="75000"/>
-                      <a:lumOff val="25000"/>
-                    </a:schemeClr>
-                  </a:solidFill>
-                </a:ln>
-                <a:solidFill>
-                  <a:schemeClr val="bg1">
-                    <a:lumMod val="75000"/>
-                    <a:lumOff val="25000"/>
-                  </a:schemeClr>
-                </a:solidFill>
-                <a:latin typeface="Arial Unicode MS" pitchFamily="34" charset="-128"/>
-                <a:ea typeface="Arial Unicode MS" pitchFamily="34" charset="-128"/>
-                <a:cs typeface="Arial Unicode MS" pitchFamily="34" charset="-128"/>
-              </a:rPr>
-              <a:t>Dynamic Menu pages finished</a:t>
+              <a:t>~ Dynamic Menu pages finished</a:t>
             </a:r>
           </a:p>
           <a:p>
@@ -4459,7 +4437,7 @@
         <p:spPr>
           <a:xfrm>
             <a:off x="395536" y="1340768"/>
-            <a:ext cx="8496944" cy="3130744"/>
+            <a:ext cx="8496944" cy="4146407"/>
           </a:xfrm>
           <a:prstGeom prst="rect">
             <a:avLst/>
@@ -4516,6 +4494,71 @@
               </a:rPr>
               <a:t>problem</a:t>
             </a:r>
+          </a:p>
+          <a:p>
+            <a:r>
+              <a:rPr lang="en-US" sz="3300" dirty="0" smtClean="0">
+                <a:ln>
+                  <a:solidFill>
+                    <a:schemeClr val="bg1">
+                      <a:lumMod val="75000"/>
+                      <a:lumOff val="25000"/>
+                    </a:schemeClr>
+                  </a:solidFill>
+                </a:ln>
+                <a:solidFill>
+                  <a:schemeClr val="bg1">
+                    <a:lumMod val="75000"/>
+                    <a:lumOff val="25000"/>
+                  </a:schemeClr>
+                </a:solidFill>
+                <a:latin typeface="Arial Unicode MS" pitchFamily="34" charset="-128"/>
+                <a:ea typeface="Arial Unicode MS" pitchFamily="34" charset="-128"/>
+                <a:cs typeface="Arial Unicode MS" pitchFamily="34" charset="-128"/>
+              </a:rPr>
+              <a:t>~The maximum limit now displays on </a:t>
+            </a:r>
+            <a:r>
+              <a:rPr lang="en-US" sz="3300" smtClean="0">
+                <a:ln>
+                  <a:solidFill>
+                    <a:schemeClr val="bg1">
+                      <a:lumMod val="75000"/>
+                      <a:lumOff val="25000"/>
+                    </a:schemeClr>
+                  </a:solidFill>
+                </a:ln>
+                <a:solidFill>
+                  <a:schemeClr val="bg1">
+                    <a:lumMod val="75000"/>
+                    <a:lumOff val="25000"/>
+                  </a:schemeClr>
+                </a:solidFill>
+                <a:latin typeface="Arial Unicode MS" pitchFamily="34" charset="-128"/>
+                <a:ea typeface="Arial Unicode MS" pitchFamily="34" charset="-128"/>
+                <a:cs typeface="Arial Unicode MS" pitchFamily="34" charset="-128"/>
+              </a:rPr>
+              <a:t>the sign up page</a:t>
+            </a:r>
+            <a:endParaRPr lang="en-US" sz="3300" dirty="0" smtClean="0">
+              <a:ln>
+                <a:solidFill>
+                  <a:schemeClr val="bg1">
+                    <a:lumMod val="75000"/>
+                    <a:lumOff val="25000"/>
+                  </a:schemeClr>
+                </a:solidFill>
+              </a:ln>
+              <a:solidFill>
+                <a:schemeClr val="bg1">
+                  <a:lumMod val="75000"/>
+                  <a:lumOff val="25000"/>
+                </a:schemeClr>
+              </a:solidFill>
+              <a:latin typeface="Arial Unicode MS" pitchFamily="34" charset="-128"/>
+              <a:ea typeface="Arial Unicode MS" pitchFamily="34" charset="-128"/>
+              <a:cs typeface="Arial Unicode MS" pitchFamily="34" charset="-128"/>
+            </a:endParaRPr>
           </a:p>
           <a:p>
             <a:r>
@@ -4733,36 +4776,7 @@
                 <a:ea typeface="Arial Unicode MS" pitchFamily="34" charset="-128"/>
                 <a:cs typeface="Arial Unicode MS" pitchFamily="34" charset="-128"/>
               </a:rPr>
-              <a:t>Next </a:t>
-            </a:r>
-            <a:r>
-              <a:rPr lang="en-US" sz="5400" dirty="0" smtClean="0">
-                <a:ln>
-                  <a:solidFill>
-                    <a:schemeClr val="bg1">
-                      <a:lumMod val="75000"/>
-                      <a:lumOff val="25000"/>
-                    </a:schemeClr>
-                  </a:solidFill>
-                </a:ln>
-                <a:solidFill>
-                  <a:schemeClr val="bg1">
-                    <a:lumMod val="75000"/>
-                    <a:lumOff val="25000"/>
-                  </a:schemeClr>
-                </a:solidFill>
-                <a:effectLst>
-                  <a:outerShdw blurRad="38100" dist="38100" dir="2700000" algn="tl">
-                    <a:srgbClr val="000000">
-                      <a:alpha val="43137"/>
-                    </a:srgbClr>
-                  </a:outerShdw>
-                </a:effectLst>
-                <a:latin typeface="Arial Unicode MS" pitchFamily="34" charset="-128"/>
-                <a:ea typeface="Arial Unicode MS" pitchFamily="34" charset="-128"/>
-                <a:cs typeface="Arial Unicode MS" pitchFamily="34" charset="-128"/>
-              </a:rPr>
-              <a:t>Sprint</a:t>
+              <a:t>Next Sprint</a:t>
             </a:r>
             <a:endParaRPr lang="en-US" sz="5400" dirty="0">
               <a:ln>
@@ -4837,25 +4851,6 @@
               </a:rPr>
               <a:t>- Store history in history table</a:t>
             </a:r>
-            <a:endParaRPr lang="en-US" sz="3600" dirty="0" smtClean="0">
-              <a:ln>
-                <a:solidFill>
-                  <a:schemeClr val="bg1">
-                    <a:lumMod val="75000"/>
-                    <a:lumOff val="25000"/>
-                  </a:schemeClr>
-                </a:solidFill>
-              </a:ln>
-              <a:solidFill>
-                <a:schemeClr val="bg1">
-                  <a:lumMod val="75000"/>
-                  <a:lumOff val="25000"/>
-                </a:schemeClr>
-              </a:solidFill>
-              <a:latin typeface="Arial Unicode MS" pitchFamily="34" charset="-128"/>
-              <a:ea typeface="Arial Unicode MS" pitchFamily="34" charset="-128"/>
-              <a:cs typeface="Arial Unicode MS" pitchFamily="34" charset="-128"/>
-            </a:endParaRPr>
           </a:p>
           <a:p>
             <a:r>
@@ -5040,25 +5035,6 @@
               </a:rPr>
               <a:t> configuration i.e. themes</a:t>
             </a:r>
-            <a:endParaRPr lang="en-US" sz="3600" dirty="0" smtClean="0">
-              <a:ln>
-                <a:solidFill>
-                  <a:schemeClr val="bg1">
-                    <a:lumMod val="75000"/>
-                    <a:lumOff val="25000"/>
-                  </a:schemeClr>
-                </a:solidFill>
-              </a:ln>
-              <a:solidFill>
-                <a:schemeClr val="bg1">
-                  <a:lumMod val="75000"/>
-                  <a:lumOff val="25000"/>
-                </a:schemeClr>
-              </a:solidFill>
-              <a:latin typeface="Arial Unicode MS" pitchFamily="34" charset="-128"/>
-              <a:ea typeface="Arial Unicode MS" pitchFamily="34" charset="-128"/>
-              <a:cs typeface="Arial Unicode MS" pitchFamily="34" charset="-128"/>
-            </a:endParaRPr>
           </a:p>
         </p:txBody>
       </p:sp>
@@ -5237,49 +5213,8 @@
                 <a:ea typeface="Arial Unicode MS" pitchFamily="34" charset="-128"/>
                 <a:cs typeface="Arial Unicode MS" pitchFamily="34" charset="-128"/>
               </a:rPr>
-              <a:t>~ Phase 5 </a:t>
-            </a:r>
-            <a:r>
-              <a:rPr lang="en-US" sz="3600" dirty="0" smtClean="0">
-                <a:ln>
-                  <a:solidFill>
-                    <a:schemeClr val="bg1">
-                      <a:lumMod val="75000"/>
-                      <a:lumOff val="25000"/>
-                    </a:schemeClr>
-                  </a:solidFill>
-                </a:ln>
-                <a:solidFill>
-                  <a:schemeClr val="bg1">
-                    <a:lumMod val="75000"/>
-                    <a:lumOff val="25000"/>
-                  </a:schemeClr>
-                </a:solidFill>
-                <a:latin typeface="Arial Unicode MS" pitchFamily="34" charset="-128"/>
-                <a:ea typeface="Arial Unicode MS" pitchFamily="34" charset="-128"/>
-                <a:cs typeface="Arial Unicode MS" pitchFamily="34" charset="-128"/>
-              </a:rPr>
-              <a:t>– Algorithms</a:t>
-            </a:r>
-            <a:endParaRPr lang="en-US" sz="3600" dirty="0" smtClean="0">
-              <a:ln>
-                <a:solidFill>
-                  <a:schemeClr val="bg1">
-                    <a:lumMod val="75000"/>
-                    <a:lumOff val="25000"/>
-                  </a:schemeClr>
-                </a:solidFill>
-              </a:ln>
-              <a:solidFill>
-                <a:schemeClr val="bg1">
-                  <a:lumMod val="75000"/>
-                  <a:lumOff val="25000"/>
-                </a:schemeClr>
-              </a:solidFill>
-              <a:latin typeface="Arial Unicode MS" pitchFamily="34" charset="-128"/>
-              <a:ea typeface="Arial Unicode MS" pitchFamily="34" charset="-128"/>
-              <a:cs typeface="Arial Unicode MS" pitchFamily="34" charset="-128"/>
-            </a:endParaRPr>
+              <a:t>~ Phase 5 – Algorithms</a:t>
+            </a:r>
           </a:p>
         </p:txBody>
       </p:sp>
@@ -5325,49 +5260,8 @@
                 <a:ea typeface="Arial Unicode MS" pitchFamily="34" charset="-128"/>
                 <a:cs typeface="Arial Unicode MS" pitchFamily="34" charset="-128"/>
               </a:rPr>
-              <a:t>~ </a:t>
-            </a:r>
-            <a:r>
-              <a:rPr lang="en-US" sz="3600" dirty="0" smtClean="0">
-                <a:ln>
-                  <a:solidFill>
-                    <a:schemeClr val="bg1">
-                      <a:lumMod val="75000"/>
-                      <a:lumOff val="25000"/>
-                    </a:schemeClr>
-                  </a:solidFill>
-                </a:ln>
-                <a:solidFill>
-                  <a:schemeClr val="bg1">
-                    <a:lumMod val="75000"/>
-                    <a:lumOff val="25000"/>
-                  </a:schemeClr>
-                </a:solidFill>
-                <a:latin typeface="Arial Unicode MS" pitchFamily="34" charset="-128"/>
-                <a:ea typeface="Arial Unicode MS" pitchFamily="34" charset="-128"/>
-                <a:cs typeface="Arial Unicode MS" pitchFamily="34" charset="-128"/>
-              </a:rPr>
-              <a:t>Final Phase – Nice to haves </a:t>
-            </a:r>
-            <a:endParaRPr lang="en-US" sz="3600" dirty="0" smtClean="0">
-              <a:ln>
-                <a:solidFill>
-                  <a:schemeClr val="bg1">
-                    <a:lumMod val="75000"/>
-                    <a:lumOff val="25000"/>
-                  </a:schemeClr>
-                </a:solidFill>
-              </a:ln>
-              <a:solidFill>
-                <a:schemeClr val="bg1">
-                  <a:lumMod val="75000"/>
-                  <a:lumOff val="25000"/>
-                </a:schemeClr>
-              </a:solidFill>
-              <a:latin typeface="Arial Unicode MS" pitchFamily="34" charset="-128"/>
-              <a:ea typeface="Arial Unicode MS" pitchFamily="34" charset="-128"/>
-              <a:cs typeface="Arial Unicode MS" pitchFamily="34" charset="-128"/>
-            </a:endParaRPr>
+              <a:t>~ Final Phase – Nice to haves </a:t>
+            </a:r>
           </a:p>
           <a:p>
             <a:endParaRPr lang="en-US" sz="3600" dirty="0" smtClean="0">

--- a/Demo/Demo4.pptx
+++ b/Demo/Demo4.pptx
@@ -114,7 +114,7 @@
   </p:defaultTextStyle>
   <p:extLst>
     <p:ext uri="{EFAFB233-063F-42B5-8137-9DF3F51BA10A}">
-      <p15:sldGuideLst xmlns:p15="http://schemas.microsoft.com/office/powerpoint/2012/main">
+      <p15:sldGuideLst xmlns:p15="http://schemas.microsoft.com/office/powerpoint/2012/main" xmlns="">
         <p15:guide id="1" orient="horz" pos="2160">
           <p15:clr>
             <a:srgbClr val="A4A3A4"/>
@@ -422,7 +422,7 @@
             <a:fld id="{7F015566-082B-418D-AA60-C795F4B71E65}" type="datetimeFigureOut">
               <a:rPr lang="en-ZA" smtClean="0"/>
               <a:pPr/>
-              <a:t>2015/09/17</a:t>
+              <a:t>2015/09/18</a:t>
             </a:fld>
             <a:endParaRPr lang="en-ZA"/>
           </a:p>
@@ -589,7 +589,7 @@
             <a:fld id="{7F015566-082B-418D-AA60-C795F4B71E65}" type="datetimeFigureOut">
               <a:rPr lang="en-ZA" smtClean="0"/>
               <a:pPr/>
-              <a:t>2015/09/17</a:t>
+              <a:t>2015/09/18</a:t>
             </a:fld>
             <a:endParaRPr lang="en-ZA"/>
           </a:p>
@@ -766,7 +766,7 @@
             <a:fld id="{7F015566-082B-418D-AA60-C795F4B71E65}" type="datetimeFigureOut">
               <a:rPr lang="en-ZA" smtClean="0"/>
               <a:pPr/>
-              <a:t>2015/09/17</a:t>
+              <a:t>2015/09/18</a:t>
             </a:fld>
             <a:endParaRPr lang="en-ZA"/>
           </a:p>
@@ -915,7 +915,7 @@
             <a:fld id="{7F015566-082B-418D-AA60-C795F4B71E65}" type="datetimeFigureOut">
               <a:rPr lang="en-ZA" smtClean="0"/>
               <a:pPr/>
-              <a:t>2015/09/17</a:t>
+              <a:t>2015/09/18</a:t>
             </a:fld>
             <a:endParaRPr lang="en-ZA"/>
           </a:p>
@@ -1034,7 +1034,7 @@
             <a:fld id="{7F015566-082B-418D-AA60-C795F4B71E65}" type="datetimeFigureOut">
               <a:rPr lang="en-ZA" smtClean="0"/>
               <a:pPr/>
-              <a:t>2015/09/17</a:t>
+              <a:t>2015/09/18</a:t>
             </a:fld>
             <a:endParaRPr lang="en-ZA"/>
           </a:p>
@@ -1306,7 +1306,7 @@
             <a:fld id="{7F015566-082B-418D-AA60-C795F4B71E65}" type="datetimeFigureOut">
               <a:rPr lang="en-ZA" smtClean="0"/>
               <a:pPr/>
-              <a:t>2015/09/17</a:t>
+              <a:t>2015/09/18</a:t>
             </a:fld>
             <a:endParaRPr lang="en-ZA"/>
           </a:p>
@@ -1578,7 +1578,7 @@
             <a:fld id="{7F015566-082B-418D-AA60-C795F4B71E65}" type="datetimeFigureOut">
               <a:rPr lang="en-ZA" smtClean="0"/>
               <a:pPr/>
-              <a:t>2015/09/17</a:t>
+              <a:t>2015/09/18</a:t>
             </a:fld>
             <a:endParaRPr lang="en-ZA"/>
           </a:p>
@@ -2026,7 +2026,7 @@
             <a:fld id="{7F015566-082B-418D-AA60-C795F4B71E65}" type="datetimeFigureOut">
               <a:rPr lang="en-ZA" smtClean="0"/>
               <a:pPr/>
-              <a:t>2015/09/17</a:t>
+              <a:t>2015/09/18</a:t>
             </a:fld>
             <a:endParaRPr lang="en-ZA"/>
           </a:p>
@@ -2141,7 +2141,7 @@
             <a:fld id="{7F015566-082B-418D-AA60-C795F4B71E65}" type="datetimeFigureOut">
               <a:rPr lang="en-ZA" smtClean="0"/>
               <a:pPr/>
-              <a:t>2015/09/17</a:t>
+              <a:t>2015/09/18</a:t>
             </a:fld>
             <a:endParaRPr lang="en-ZA"/>
           </a:p>
@@ -2393,7 +2393,7 @@
             <a:fld id="{7F015566-082B-418D-AA60-C795F4B71E65}" type="datetimeFigureOut">
               <a:rPr lang="en-ZA" smtClean="0"/>
               <a:pPr/>
-              <a:t>2015/09/17</a:t>
+              <a:t>2015/09/18</a:t>
             </a:fld>
             <a:endParaRPr lang="en-ZA"/>
           </a:p>
@@ -2635,7 +2635,7 @@
             <a:fld id="{7F015566-082B-418D-AA60-C795F4B71E65}" type="datetimeFigureOut">
               <a:rPr lang="en-ZA" smtClean="0"/>
               <a:pPr/>
-              <a:t>2015/09/17</a:t>
+              <a:t>2015/09/18</a:t>
             </a:fld>
             <a:endParaRPr lang="en-ZA"/>
           </a:p>
@@ -2810,7 +2810,7 @@
             <a:fld id="{7F015566-082B-418D-AA60-C795F4B71E65}" type="datetimeFigureOut">
               <a:rPr lang="en-ZA" smtClean="0"/>
               <a:pPr/>
-              <a:t>2015/09/17</a:t>
+              <a:t>2015/09/18</a:t>
             </a:fld>
             <a:endParaRPr lang="en-ZA"/>
           </a:p>
@@ -3433,10 +3433,10 @@
           <p:nvPr/>
         </p:nvPicPr>
         <p:blipFill rotWithShape="1">
-          <a:blip r:embed="rId3">
+          <a:blip r:embed="rId3" cstate="print">
             <a:extLst>
               <a:ext uri="{28A0092B-C50C-407E-A947-70E740481C1C}">
-                <a14:useLocalDpi xmlns:a14="http://schemas.microsoft.com/office/drawing/2010/main" val="0"/>
+                <a14:useLocalDpi xmlns:a14="http://schemas.microsoft.com/office/drawing/2010/main" xmlns="" val="0"/>
               </a:ext>
             </a:extLst>
           </a:blip>
@@ -3445,7 +3445,7 @@
         </p:blipFill>
         <p:spPr>
           <a:xfrm>
-            <a:off x="2468112" y="3717032"/>
+            <a:off x="2699792" y="3843434"/>
             <a:ext cx="3888432" cy="2393878"/>
           </a:xfrm>
           <a:prstGeom prst="rect">
@@ -3455,7 +3455,7 @@
             <a:noFill/>
           </a:ln>
           <a:effectLst>
-            <a:softEdge rad="112500"/>
+            <a:softEdge rad="127000"/>
           </a:effectLst>
         </p:spPr>
       </p:pic>
@@ -3938,7 +3938,7 @@
         <p:spPr>
           <a:xfrm>
             <a:off x="791072" y="1641792"/>
-            <a:ext cx="8352928" cy="5208236"/>
+            <a:ext cx="8352928" cy="5716067"/>
           </a:xfrm>
           <a:prstGeom prst="rect">
             <a:avLst/>
@@ -3971,10 +3971,8 @@
                 <a:ea typeface="Arial Unicode MS" pitchFamily="34" charset="-128"/>
                 <a:cs typeface="Arial Unicode MS" pitchFamily="34" charset="-128"/>
               </a:rPr>
-              <a:t>~ Dynamic Menu pages finished</a:t>
-            </a:r>
-          </a:p>
-          <a:p>
+              <a:t>~ Dynamic Menu pages </a:t>
+            </a:r>
             <a:r>
               <a:rPr lang="en-US" sz="3300" dirty="0" smtClean="0">
                 <a:ln>
@@ -3995,12 +3993,12 @@
                 <a:ea typeface="Arial Unicode MS" pitchFamily="34" charset="-128"/>
                 <a:cs typeface="Arial Unicode MS" pitchFamily="34" charset="-128"/>
               </a:rPr>
-              <a:t>~Reporting in progress:</a:t>
-            </a:r>
-          </a:p>
-          <a:p>
-            <a:r>
-              <a:rPr lang="en-US" sz="3300" dirty="0">
+              <a:t>finished </a:t>
+            </a:r>
+          </a:p>
+          <a:p>
+            <a:r>
+              <a:rPr lang="en-US" sz="3300" dirty="0" smtClean="0">
                 <a:ln>
                   <a:solidFill>
                     <a:schemeClr val="bg1">
@@ -4041,167 +4039,7 @@
                 <a:ea typeface="Arial Unicode MS" pitchFamily="34" charset="-128"/>
                 <a:cs typeface="Arial Unicode MS" pitchFamily="34" charset="-128"/>
               </a:rPr>
-              <a:t>-Reports can be generated</a:t>
-            </a:r>
-          </a:p>
-          <a:p>
-            <a:r>
-              <a:rPr lang="en-US" sz="3300" dirty="0">
-                <a:ln>
-                  <a:solidFill>
-                    <a:schemeClr val="bg1">
-                      <a:lumMod val="75000"/>
-                      <a:lumOff val="25000"/>
-                    </a:schemeClr>
-                  </a:solidFill>
-                </a:ln>
-                <a:solidFill>
-                  <a:schemeClr val="bg1">
-                    <a:lumMod val="75000"/>
-                    <a:lumOff val="25000"/>
-                  </a:schemeClr>
-                </a:solidFill>
-                <a:latin typeface="Arial Unicode MS" pitchFamily="34" charset="-128"/>
-                <a:ea typeface="Arial Unicode MS" pitchFamily="34" charset="-128"/>
-                <a:cs typeface="Arial Unicode MS" pitchFamily="34" charset="-128"/>
-              </a:rPr>
-              <a:t>	</a:t>
-            </a:r>
-            <a:r>
-              <a:rPr lang="en-US" sz="3300" dirty="0" smtClean="0">
-                <a:ln>
-                  <a:solidFill>
-                    <a:schemeClr val="bg1">
-                      <a:lumMod val="75000"/>
-                      <a:lumOff val="25000"/>
-                    </a:schemeClr>
-                  </a:solidFill>
-                </a:ln>
-                <a:solidFill>
-                  <a:schemeClr val="bg1">
-                    <a:lumMod val="75000"/>
-                    <a:lumOff val="25000"/>
-                  </a:schemeClr>
-                </a:solidFill>
-                <a:latin typeface="Arial Unicode MS" pitchFamily="34" charset="-128"/>
-                <a:ea typeface="Arial Unicode MS" pitchFamily="34" charset="-128"/>
-                <a:cs typeface="Arial Unicode MS" pitchFamily="34" charset="-128"/>
-              </a:rPr>
-              <a:t>-Finance Manager can view these </a:t>
-            </a:r>
-          </a:p>
-          <a:p>
-            <a:r>
-              <a:rPr lang="en-US" sz="3300" dirty="0">
-                <a:ln>
-                  <a:solidFill>
-                    <a:schemeClr val="bg1">
-                      <a:lumMod val="75000"/>
-                      <a:lumOff val="25000"/>
-                    </a:schemeClr>
-                  </a:solidFill>
-                </a:ln>
-                <a:solidFill>
-                  <a:schemeClr val="bg1">
-                    <a:lumMod val="75000"/>
-                    <a:lumOff val="25000"/>
-                  </a:schemeClr>
-                </a:solidFill>
-                <a:latin typeface="Arial Unicode MS" pitchFamily="34" charset="-128"/>
-                <a:ea typeface="Arial Unicode MS" pitchFamily="34" charset="-128"/>
-                <a:cs typeface="Arial Unicode MS" pitchFamily="34" charset="-128"/>
-              </a:rPr>
-              <a:t>	</a:t>
-            </a:r>
-            <a:r>
-              <a:rPr lang="en-US" sz="3300" dirty="0" smtClean="0">
-                <a:ln>
-                  <a:solidFill>
-                    <a:schemeClr val="bg1">
-                      <a:lumMod val="75000"/>
-                      <a:lumOff val="25000"/>
-                    </a:schemeClr>
-                  </a:solidFill>
-                </a:ln>
-                <a:solidFill>
-                  <a:schemeClr val="bg1">
-                    <a:lumMod val="75000"/>
-                    <a:lumOff val="25000"/>
-                  </a:schemeClr>
-                </a:solidFill>
-                <a:latin typeface="Arial Unicode MS" pitchFamily="34" charset="-128"/>
-                <a:ea typeface="Arial Unicode MS" pitchFamily="34" charset="-128"/>
-                <a:cs typeface="Arial Unicode MS" pitchFamily="34" charset="-128"/>
-              </a:rPr>
-              <a:t>-Can get data from the database</a:t>
-            </a:r>
-          </a:p>
-          <a:p>
-            <a:r>
-              <a:rPr lang="en-US" sz="3300" dirty="0">
-                <a:ln>
-                  <a:solidFill>
-                    <a:schemeClr val="bg1">
-                      <a:lumMod val="75000"/>
-                      <a:lumOff val="25000"/>
-                    </a:schemeClr>
-                  </a:solidFill>
-                </a:ln>
-                <a:solidFill>
-                  <a:schemeClr val="bg1">
-                    <a:lumMod val="75000"/>
-                    <a:lumOff val="25000"/>
-                  </a:schemeClr>
-                </a:solidFill>
-                <a:latin typeface="Arial Unicode MS" pitchFamily="34" charset="-128"/>
-                <a:ea typeface="Arial Unicode MS" pitchFamily="34" charset="-128"/>
-                <a:cs typeface="Arial Unicode MS" pitchFamily="34" charset="-128"/>
-              </a:rPr>
-              <a:t>	</a:t>
-            </a:r>
-            <a:r>
-              <a:rPr lang="en-US" sz="3300" dirty="0" smtClean="0">
-                <a:ln>
-                  <a:solidFill>
-                    <a:schemeClr val="bg1">
-                      <a:lumMod val="75000"/>
-                      <a:lumOff val="25000"/>
-                    </a:schemeClr>
-                  </a:solidFill>
-                </a:ln>
-                <a:solidFill>
-                  <a:schemeClr val="bg1">
-                    <a:lumMod val="75000"/>
-                    <a:lumOff val="25000"/>
-                  </a:schemeClr>
-                </a:solidFill>
-                <a:latin typeface="Arial Unicode MS" pitchFamily="34" charset="-128"/>
-                <a:ea typeface="Arial Unicode MS" pitchFamily="34" charset="-128"/>
-                <a:cs typeface="Arial Unicode MS" pitchFamily="34" charset="-128"/>
-              </a:rPr>
-              <a:t>-</a:t>
-            </a:r>
-            <a:r>
-              <a:rPr lang="en-US" sz="3300" dirty="0" err="1" smtClean="0">
-                <a:ln>
-                  <a:solidFill>
-                    <a:schemeClr val="bg1">
-                      <a:lumMod val="75000"/>
-                      <a:lumOff val="25000"/>
-                    </a:schemeClr>
-                  </a:solidFill>
-                </a:ln>
-                <a:solidFill>
-                  <a:schemeClr val="bg1">
-                    <a:lumMod val="75000"/>
-                    <a:lumOff val="25000"/>
-                  </a:schemeClr>
-                </a:solidFill>
-                <a:latin typeface="Arial Unicode MS" pitchFamily="34" charset="-128"/>
-                <a:ea typeface="Arial Unicode MS" pitchFamily="34" charset="-128"/>
-                <a:cs typeface="Arial Unicode MS" pitchFamily="34" charset="-128"/>
-              </a:rPr>
-              <a:t>JSReport</a:t>
+              <a:t>- whole system is now dynamic</a:t>
             </a:r>
             <a:endParaRPr lang="en-US" sz="3300" dirty="0" smtClean="0">
               <a:ln>
@@ -4244,8 +4082,476 @@
                 <a:ea typeface="Arial Unicode MS" pitchFamily="34" charset="-128"/>
                 <a:cs typeface="Arial Unicode MS" pitchFamily="34" charset="-128"/>
               </a:rPr>
-              <a:t>~Adding and uploading images for menu in progress</a:t>
-            </a:r>
+              <a:t>~ Reporting </a:t>
+            </a:r>
+            <a:r>
+              <a:rPr lang="en-US" sz="3300" dirty="0" smtClean="0">
+                <a:ln>
+                  <a:solidFill>
+                    <a:schemeClr val="bg1">
+                      <a:lumMod val="75000"/>
+                      <a:lumOff val="25000"/>
+                    </a:schemeClr>
+                  </a:solidFill>
+                </a:ln>
+                <a:solidFill>
+                  <a:schemeClr val="bg1">
+                    <a:lumMod val="75000"/>
+                    <a:lumOff val="25000"/>
+                  </a:schemeClr>
+                </a:solidFill>
+                <a:latin typeface="Arial Unicode MS" pitchFamily="34" charset="-128"/>
+                <a:ea typeface="Arial Unicode MS" pitchFamily="34" charset="-128"/>
+                <a:cs typeface="Arial Unicode MS" pitchFamily="34" charset="-128"/>
+              </a:rPr>
+              <a:t>in progress:</a:t>
+            </a:r>
+          </a:p>
+          <a:p>
+            <a:r>
+              <a:rPr lang="en-US" sz="3300" dirty="0">
+                <a:ln>
+                  <a:solidFill>
+                    <a:schemeClr val="bg1">
+                      <a:lumMod val="75000"/>
+                      <a:lumOff val="25000"/>
+                    </a:schemeClr>
+                  </a:solidFill>
+                </a:ln>
+                <a:solidFill>
+                  <a:schemeClr val="bg1">
+                    <a:lumMod val="75000"/>
+                    <a:lumOff val="25000"/>
+                  </a:schemeClr>
+                </a:solidFill>
+                <a:latin typeface="Arial Unicode MS" pitchFamily="34" charset="-128"/>
+                <a:ea typeface="Arial Unicode MS" pitchFamily="34" charset="-128"/>
+                <a:cs typeface="Arial Unicode MS" pitchFamily="34" charset="-128"/>
+              </a:rPr>
+              <a:t>	</a:t>
+            </a:r>
+            <a:r>
+              <a:rPr lang="en-US" sz="3300" dirty="0" smtClean="0">
+                <a:ln>
+                  <a:solidFill>
+                    <a:schemeClr val="bg1">
+                      <a:lumMod val="75000"/>
+                      <a:lumOff val="25000"/>
+                    </a:schemeClr>
+                  </a:solidFill>
+                </a:ln>
+                <a:solidFill>
+                  <a:schemeClr val="bg1">
+                    <a:lumMod val="75000"/>
+                    <a:lumOff val="25000"/>
+                  </a:schemeClr>
+                </a:solidFill>
+                <a:latin typeface="Arial Unicode MS" pitchFamily="34" charset="-128"/>
+                <a:ea typeface="Arial Unicode MS" pitchFamily="34" charset="-128"/>
+                <a:cs typeface="Arial Unicode MS" pitchFamily="34" charset="-128"/>
+              </a:rPr>
+              <a:t>- Reports </a:t>
+            </a:r>
+            <a:r>
+              <a:rPr lang="en-US" sz="3300" dirty="0" smtClean="0">
+                <a:ln>
+                  <a:solidFill>
+                    <a:schemeClr val="bg1">
+                      <a:lumMod val="75000"/>
+                      <a:lumOff val="25000"/>
+                    </a:schemeClr>
+                  </a:solidFill>
+                </a:ln>
+                <a:solidFill>
+                  <a:schemeClr val="bg1">
+                    <a:lumMod val="75000"/>
+                    <a:lumOff val="25000"/>
+                  </a:schemeClr>
+                </a:solidFill>
+                <a:latin typeface="Arial Unicode MS" pitchFamily="34" charset="-128"/>
+                <a:ea typeface="Arial Unicode MS" pitchFamily="34" charset="-128"/>
+                <a:cs typeface="Arial Unicode MS" pitchFamily="34" charset="-128"/>
+              </a:rPr>
+              <a:t>can be generated</a:t>
+            </a:r>
+          </a:p>
+          <a:p>
+            <a:r>
+              <a:rPr lang="en-US" sz="3300" dirty="0">
+                <a:ln>
+                  <a:solidFill>
+                    <a:schemeClr val="bg1">
+                      <a:lumMod val="75000"/>
+                      <a:lumOff val="25000"/>
+                    </a:schemeClr>
+                  </a:solidFill>
+                </a:ln>
+                <a:solidFill>
+                  <a:schemeClr val="bg1">
+                    <a:lumMod val="75000"/>
+                    <a:lumOff val="25000"/>
+                  </a:schemeClr>
+                </a:solidFill>
+                <a:latin typeface="Arial Unicode MS" pitchFamily="34" charset="-128"/>
+                <a:ea typeface="Arial Unicode MS" pitchFamily="34" charset="-128"/>
+                <a:cs typeface="Arial Unicode MS" pitchFamily="34" charset="-128"/>
+              </a:rPr>
+              <a:t>	</a:t>
+            </a:r>
+            <a:r>
+              <a:rPr lang="en-US" sz="3300" dirty="0" smtClean="0">
+                <a:ln>
+                  <a:solidFill>
+                    <a:schemeClr val="bg1">
+                      <a:lumMod val="75000"/>
+                      <a:lumOff val="25000"/>
+                    </a:schemeClr>
+                  </a:solidFill>
+                </a:ln>
+                <a:solidFill>
+                  <a:schemeClr val="bg1">
+                    <a:lumMod val="75000"/>
+                    <a:lumOff val="25000"/>
+                  </a:schemeClr>
+                </a:solidFill>
+                <a:latin typeface="Arial Unicode MS" pitchFamily="34" charset="-128"/>
+                <a:ea typeface="Arial Unicode MS" pitchFamily="34" charset="-128"/>
+                <a:cs typeface="Arial Unicode MS" pitchFamily="34" charset="-128"/>
+              </a:rPr>
+              <a:t>- Finance </a:t>
+            </a:r>
+            <a:r>
+              <a:rPr lang="en-US" sz="3300" dirty="0" smtClean="0">
+                <a:ln>
+                  <a:solidFill>
+                    <a:schemeClr val="bg1">
+                      <a:lumMod val="75000"/>
+                      <a:lumOff val="25000"/>
+                    </a:schemeClr>
+                  </a:solidFill>
+                </a:ln>
+                <a:solidFill>
+                  <a:schemeClr val="bg1">
+                    <a:lumMod val="75000"/>
+                    <a:lumOff val="25000"/>
+                  </a:schemeClr>
+                </a:solidFill>
+                <a:latin typeface="Arial Unicode MS" pitchFamily="34" charset="-128"/>
+                <a:ea typeface="Arial Unicode MS" pitchFamily="34" charset="-128"/>
+                <a:cs typeface="Arial Unicode MS" pitchFamily="34" charset="-128"/>
+              </a:rPr>
+              <a:t>Manager can view these </a:t>
+            </a:r>
+          </a:p>
+          <a:p>
+            <a:r>
+              <a:rPr lang="en-US" sz="3300" dirty="0">
+                <a:ln>
+                  <a:solidFill>
+                    <a:schemeClr val="bg1">
+                      <a:lumMod val="75000"/>
+                      <a:lumOff val="25000"/>
+                    </a:schemeClr>
+                  </a:solidFill>
+                </a:ln>
+                <a:solidFill>
+                  <a:schemeClr val="bg1">
+                    <a:lumMod val="75000"/>
+                    <a:lumOff val="25000"/>
+                  </a:schemeClr>
+                </a:solidFill>
+                <a:latin typeface="Arial Unicode MS" pitchFamily="34" charset="-128"/>
+                <a:ea typeface="Arial Unicode MS" pitchFamily="34" charset="-128"/>
+                <a:cs typeface="Arial Unicode MS" pitchFamily="34" charset="-128"/>
+              </a:rPr>
+              <a:t>	</a:t>
+            </a:r>
+            <a:r>
+              <a:rPr lang="en-US" sz="3300" dirty="0" smtClean="0">
+                <a:ln>
+                  <a:solidFill>
+                    <a:schemeClr val="bg1">
+                      <a:lumMod val="75000"/>
+                      <a:lumOff val="25000"/>
+                    </a:schemeClr>
+                  </a:solidFill>
+                </a:ln>
+                <a:solidFill>
+                  <a:schemeClr val="bg1">
+                    <a:lumMod val="75000"/>
+                    <a:lumOff val="25000"/>
+                  </a:schemeClr>
+                </a:solidFill>
+                <a:latin typeface="Arial Unicode MS" pitchFamily="34" charset="-128"/>
+                <a:ea typeface="Arial Unicode MS" pitchFamily="34" charset="-128"/>
+                <a:cs typeface="Arial Unicode MS" pitchFamily="34" charset="-128"/>
+              </a:rPr>
+              <a:t>- Can </a:t>
+            </a:r>
+            <a:r>
+              <a:rPr lang="en-US" sz="3300" dirty="0" smtClean="0">
+                <a:ln>
+                  <a:solidFill>
+                    <a:schemeClr val="bg1">
+                      <a:lumMod val="75000"/>
+                      <a:lumOff val="25000"/>
+                    </a:schemeClr>
+                  </a:solidFill>
+                </a:ln>
+                <a:solidFill>
+                  <a:schemeClr val="bg1">
+                    <a:lumMod val="75000"/>
+                    <a:lumOff val="25000"/>
+                  </a:schemeClr>
+                </a:solidFill>
+                <a:latin typeface="Arial Unicode MS" pitchFamily="34" charset="-128"/>
+                <a:ea typeface="Arial Unicode MS" pitchFamily="34" charset="-128"/>
+                <a:cs typeface="Arial Unicode MS" pitchFamily="34" charset="-128"/>
+              </a:rPr>
+              <a:t>get data from the database</a:t>
+            </a:r>
+          </a:p>
+          <a:p>
+            <a:r>
+              <a:rPr lang="en-US" sz="3300" dirty="0">
+                <a:ln>
+                  <a:solidFill>
+                    <a:schemeClr val="bg1">
+                      <a:lumMod val="75000"/>
+                      <a:lumOff val="25000"/>
+                    </a:schemeClr>
+                  </a:solidFill>
+                </a:ln>
+                <a:solidFill>
+                  <a:schemeClr val="bg1">
+                    <a:lumMod val="75000"/>
+                    <a:lumOff val="25000"/>
+                  </a:schemeClr>
+                </a:solidFill>
+                <a:latin typeface="Arial Unicode MS" pitchFamily="34" charset="-128"/>
+                <a:ea typeface="Arial Unicode MS" pitchFamily="34" charset="-128"/>
+                <a:cs typeface="Arial Unicode MS" pitchFamily="34" charset="-128"/>
+              </a:rPr>
+              <a:t>	</a:t>
+            </a:r>
+            <a:r>
+              <a:rPr lang="en-US" sz="3300" dirty="0" smtClean="0">
+                <a:ln>
+                  <a:solidFill>
+                    <a:schemeClr val="bg1">
+                      <a:lumMod val="75000"/>
+                      <a:lumOff val="25000"/>
+                    </a:schemeClr>
+                  </a:solidFill>
+                </a:ln>
+                <a:solidFill>
+                  <a:schemeClr val="bg1">
+                    <a:lumMod val="75000"/>
+                    <a:lumOff val="25000"/>
+                  </a:schemeClr>
+                </a:solidFill>
+                <a:latin typeface="Arial Unicode MS" pitchFamily="34" charset="-128"/>
+                <a:ea typeface="Arial Unicode MS" pitchFamily="34" charset="-128"/>
+                <a:cs typeface="Arial Unicode MS" pitchFamily="34" charset="-128"/>
+              </a:rPr>
+              <a:t>- </a:t>
+            </a:r>
+            <a:r>
+              <a:rPr lang="en-US" sz="3300" dirty="0" err="1" smtClean="0">
+                <a:ln>
+                  <a:solidFill>
+                    <a:schemeClr val="bg1">
+                      <a:lumMod val="75000"/>
+                      <a:lumOff val="25000"/>
+                    </a:schemeClr>
+                  </a:solidFill>
+                </a:ln>
+                <a:solidFill>
+                  <a:schemeClr val="bg1">
+                    <a:lumMod val="75000"/>
+                    <a:lumOff val="25000"/>
+                  </a:schemeClr>
+                </a:solidFill>
+                <a:latin typeface="Arial Unicode MS" pitchFamily="34" charset="-128"/>
+                <a:ea typeface="Arial Unicode MS" pitchFamily="34" charset="-128"/>
+                <a:cs typeface="Arial Unicode MS" pitchFamily="34" charset="-128"/>
+              </a:rPr>
+              <a:t>JSReport</a:t>
+            </a:r>
+            <a:endParaRPr lang="en-US" sz="3300" dirty="0" smtClean="0">
+              <a:ln>
+                <a:solidFill>
+                  <a:schemeClr val="bg1">
+                    <a:lumMod val="75000"/>
+                    <a:lumOff val="25000"/>
+                  </a:schemeClr>
+                </a:solidFill>
+              </a:ln>
+              <a:solidFill>
+                <a:schemeClr val="bg1">
+                  <a:lumMod val="75000"/>
+                  <a:lumOff val="25000"/>
+                </a:schemeClr>
+              </a:solidFill>
+              <a:latin typeface="Arial Unicode MS" pitchFamily="34" charset="-128"/>
+              <a:ea typeface="Arial Unicode MS" pitchFamily="34" charset="-128"/>
+              <a:cs typeface="Arial Unicode MS" pitchFamily="34" charset="-128"/>
+            </a:endParaRPr>
+          </a:p>
+          <a:p>
+            <a:r>
+              <a:rPr lang="en-US" sz="3300" dirty="0" smtClean="0">
+                <a:ln>
+                  <a:solidFill>
+                    <a:schemeClr val="bg1">
+                      <a:lumMod val="75000"/>
+                      <a:lumOff val="25000"/>
+                    </a:schemeClr>
+                  </a:solidFill>
+                </a:ln>
+                <a:solidFill>
+                  <a:schemeClr val="bg1">
+                    <a:lumMod val="75000"/>
+                    <a:lumOff val="25000"/>
+                  </a:schemeClr>
+                </a:solidFill>
+                <a:latin typeface="Arial Unicode MS" pitchFamily="34" charset="-128"/>
+                <a:ea typeface="Arial Unicode MS" pitchFamily="34" charset="-128"/>
+                <a:cs typeface="Arial Unicode MS" pitchFamily="34" charset="-128"/>
+              </a:rPr>
+              <a:t>~ Adding </a:t>
+            </a:r>
+            <a:r>
+              <a:rPr lang="en-US" sz="3300" dirty="0" smtClean="0">
+                <a:ln>
+                  <a:solidFill>
+                    <a:schemeClr val="bg1">
+                      <a:lumMod val="75000"/>
+                      <a:lumOff val="25000"/>
+                    </a:schemeClr>
+                  </a:solidFill>
+                </a:ln>
+                <a:solidFill>
+                  <a:schemeClr val="bg1">
+                    <a:lumMod val="75000"/>
+                    <a:lumOff val="25000"/>
+                  </a:schemeClr>
+                </a:solidFill>
+                <a:latin typeface="Arial Unicode MS" pitchFamily="34" charset="-128"/>
+                <a:ea typeface="Arial Unicode MS" pitchFamily="34" charset="-128"/>
+                <a:cs typeface="Arial Unicode MS" pitchFamily="34" charset="-128"/>
+              </a:rPr>
+              <a:t>and uploading images for </a:t>
+            </a:r>
+            <a:r>
+              <a:rPr lang="en-US" sz="3300" dirty="0" smtClean="0">
+                <a:ln>
+                  <a:solidFill>
+                    <a:schemeClr val="bg1">
+                      <a:lumMod val="75000"/>
+                      <a:lumOff val="25000"/>
+                    </a:schemeClr>
+                  </a:solidFill>
+                </a:ln>
+                <a:solidFill>
+                  <a:schemeClr val="bg1">
+                    <a:lumMod val="75000"/>
+                    <a:lumOff val="25000"/>
+                  </a:schemeClr>
+                </a:solidFill>
+                <a:latin typeface="Arial Unicode MS" pitchFamily="34" charset="-128"/>
+                <a:ea typeface="Arial Unicode MS" pitchFamily="34" charset="-128"/>
+                <a:cs typeface="Arial Unicode MS" pitchFamily="34" charset="-128"/>
+              </a:rPr>
+              <a:t>menu</a:t>
+            </a:r>
+          </a:p>
+          <a:p>
+            <a:r>
+              <a:rPr lang="en-US" sz="3300" dirty="0" smtClean="0">
+                <a:ln>
+                  <a:solidFill>
+                    <a:schemeClr val="bg1">
+                      <a:lumMod val="75000"/>
+                      <a:lumOff val="25000"/>
+                    </a:schemeClr>
+                  </a:solidFill>
+                </a:ln>
+                <a:solidFill>
+                  <a:schemeClr val="bg1">
+                    <a:lumMod val="75000"/>
+                    <a:lumOff val="25000"/>
+                  </a:schemeClr>
+                </a:solidFill>
+                <a:latin typeface="Arial Unicode MS" pitchFamily="34" charset="-128"/>
+                <a:ea typeface="Arial Unicode MS" pitchFamily="34" charset="-128"/>
+                <a:cs typeface="Arial Unicode MS" pitchFamily="34" charset="-128"/>
+              </a:rPr>
+              <a:t> </a:t>
+            </a:r>
+            <a:r>
+              <a:rPr lang="en-US" sz="3300" dirty="0" smtClean="0">
+                <a:ln>
+                  <a:solidFill>
+                    <a:schemeClr val="bg1">
+                      <a:lumMod val="75000"/>
+                      <a:lumOff val="25000"/>
+                    </a:schemeClr>
+                  </a:solidFill>
+                </a:ln>
+                <a:solidFill>
+                  <a:schemeClr val="bg1">
+                    <a:lumMod val="75000"/>
+                    <a:lumOff val="25000"/>
+                  </a:schemeClr>
+                </a:solidFill>
+                <a:latin typeface="Arial Unicode MS" pitchFamily="34" charset="-128"/>
+                <a:ea typeface="Arial Unicode MS" pitchFamily="34" charset="-128"/>
+                <a:cs typeface="Arial Unicode MS" pitchFamily="34" charset="-128"/>
+              </a:rPr>
+              <a:t> </a:t>
+            </a:r>
+            <a:r>
+              <a:rPr lang="en-US" sz="3300" dirty="0" smtClean="0">
+                <a:ln>
+                  <a:solidFill>
+                    <a:schemeClr val="bg1">
+                      <a:lumMod val="75000"/>
+                      <a:lumOff val="25000"/>
+                    </a:schemeClr>
+                  </a:solidFill>
+                </a:ln>
+                <a:solidFill>
+                  <a:schemeClr val="bg1">
+                    <a:lumMod val="75000"/>
+                    <a:lumOff val="25000"/>
+                  </a:schemeClr>
+                </a:solidFill>
+                <a:latin typeface="Arial Unicode MS" pitchFamily="34" charset="-128"/>
+                <a:ea typeface="Arial Unicode MS" pitchFamily="34" charset="-128"/>
+                <a:cs typeface="Arial Unicode MS" pitchFamily="34" charset="-128"/>
+              </a:rPr>
+              <a:t> in progress</a:t>
+            </a:r>
+            <a:endParaRPr lang="en-US" sz="3300" dirty="0" smtClean="0">
+              <a:ln>
+                <a:solidFill>
+                  <a:schemeClr val="bg1">
+                    <a:lumMod val="75000"/>
+                    <a:lumOff val="25000"/>
+                  </a:schemeClr>
+                </a:solidFill>
+              </a:ln>
+              <a:solidFill>
+                <a:schemeClr val="bg1">
+                  <a:lumMod val="75000"/>
+                  <a:lumOff val="25000"/>
+                </a:schemeClr>
+              </a:solidFill>
+              <a:latin typeface="Arial Unicode MS" pitchFamily="34" charset="-128"/>
+              <a:ea typeface="Arial Unicode MS" pitchFamily="34" charset="-128"/>
+              <a:cs typeface="Arial Unicode MS" pitchFamily="34" charset="-128"/>
+            </a:endParaRPr>
           </a:p>
           <a:p>
             <a:endParaRPr lang="en-US" sz="3300" dirty="0" smtClean="0">
@@ -4451,7 +4757,7 @@
           <a:lstStyle/>
           <a:p>
             <a:r>
-              <a:rPr lang="en-US" sz="3300" dirty="0">
+              <a:rPr lang="en-US" sz="3300" dirty="0" smtClean="0">
                 <a:ln>
                   <a:solidFill>
                     <a:schemeClr val="bg1">
@@ -4470,10 +4776,10 @@
                 <a:ea typeface="Arial Unicode MS" pitchFamily="34" charset="-128"/>
                 <a:cs typeface="Arial Unicode MS" pitchFamily="34" charset="-128"/>
               </a:rPr>
-              <a:t>~Solved the overflow of order numbers </a:t>
-            </a:r>
-            <a:r>
-              <a:rPr lang="en-US" sz="3300" dirty="0" smtClean="0">
+              <a:t>~ Solved </a:t>
+            </a:r>
+            <a:r>
+              <a:rPr lang="en-US" sz="3300" dirty="0">
                 <a:ln>
                   <a:solidFill>
                     <a:schemeClr val="bg1">
@@ -4492,10 +4798,8 @@
                 <a:ea typeface="Arial Unicode MS" pitchFamily="34" charset="-128"/>
                 <a:cs typeface="Arial Unicode MS" pitchFamily="34" charset="-128"/>
               </a:rPr>
-              <a:t>problem</a:t>
-            </a:r>
-          </a:p>
-          <a:p>
+              <a:t>the overflow of order numbers </a:t>
+            </a:r>
             <a:r>
               <a:rPr lang="en-US" sz="3300" dirty="0" smtClean="0">
                 <a:ln>
@@ -4516,29 +4820,7 @@
                 <a:ea typeface="Arial Unicode MS" pitchFamily="34" charset="-128"/>
                 <a:cs typeface="Arial Unicode MS" pitchFamily="34" charset="-128"/>
               </a:rPr>
-              <a:t>~The maximum limit now displays on </a:t>
-            </a:r>
-            <a:r>
-              <a:rPr lang="en-US" sz="3300" smtClean="0">
-                <a:ln>
-                  <a:solidFill>
-                    <a:schemeClr val="bg1">
-                      <a:lumMod val="75000"/>
-                      <a:lumOff val="25000"/>
-                    </a:schemeClr>
-                  </a:solidFill>
-                </a:ln>
-                <a:solidFill>
-                  <a:schemeClr val="bg1">
-                    <a:lumMod val="75000"/>
-                    <a:lumOff val="25000"/>
-                  </a:schemeClr>
-                </a:solidFill>
-                <a:latin typeface="Arial Unicode MS" pitchFamily="34" charset="-128"/>
-                <a:ea typeface="Arial Unicode MS" pitchFamily="34" charset="-128"/>
-                <a:cs typeface="Arial Unicode MS" pitchFamily="34" charset="-128"/>
-              </a:rPr>
-              <a:t>the sign up page</a:t>
+              <a:t> </a:t>
             </a:r>
             <a:endParaRPr lang="en-US" sz="3300" dirty="0" smtClean="0">
               <a:ln>
@@ -4581,10 +4863,8 @@
                 <a:ea typeface="Arial Unicode MS" pitchFamily="34" charset="-128"/>
                 <a:cs typeface="Arial Unicode MS" pitchFamily="34" charset="-128"/>
               </a:rPr>
-              <a:t>~Help popovers for usability</a:t>
-            </a:r>
-          </a:p>
-          <a:p>
+              <a:t> </a:t>
+            </a:r>
             <a:r>
               <a:rPr lang="en-US" sz="3300" dirty="0" smtClean="0">
                 <a:ln>
@@ -4605,8 +4885,27 @@
                 <a:ea typeface="Arial Unicode MS" pitchFamily="34" charset="-128"/>
                 <a:cs typeface="Arial Unicode MS" pitchFamily="34" charset="-128"/>
               </a:rPr>
-              <a:t>~Bootstrap alert boxes</a:t>
-            </a:r>
+              <a:t>  problem</a:t>
+            </a:r>
+            <a:endParaRPr lang="en-US" sz="3300" dirty="0" smtClean="0">
+              <a:ln>
+                <a:solidFill>
+                  <a:schemeClr val="bg1">
+                    <a:lumMod val="75000"/>
+                    <a:lumOff val="25000"/>
+                  </a:schemeClr>
+                </a:solidFill>
+              </a:ln>
+              <a:solidFill>
+                <a:schemeClr val="bg1">
+                  <a:lumMod val="75000"/>
+                  <a:lumOff val="25000"/>
+                </a:schemeClr>
+              </a:solidFill>
+              <a:latin typeface="Arial Unicode MS" pitchFamily="34" charset="-128"/>
+              <a:ea typeface="Arial Unicode MS" pitchFamily="34" charset="-128"/>
+              <a:cs typeface="Arial Unicode MS" pitchFamily="34" charset="-128"/>
+            </a:endParaRPr>
           </a:p>
           <a:p>
             <a:r>
@@ -4629,7 +4928,276 @@
                 <a:ea typeface="Arial Unicode MS" pitchFamily="34" charset="-128"/>
                 <a:cs typeface="Arial Unicode MS" pitchFamily="34" charset="-128"/>
               </a:rPr>
-              <a:t>~Documentation and tests updated</a:t>
+              <a:t>~ The </a:t>
+            </a:r>
+            <a:r>
+              <a:rPr lang="en-US" sz="3300" dirty="0" smtClean="0">
+                <a:ln>
+                  <a:solidFill>
+                    <a:schemeClr val="bg1">
+                      <a:lumMod val="75000"/>
+                      <a:lumOff val="25000"/>
+                    </a:schemeClr>
+                  </a:solidFill>
+                </a:ln>
+                <a:solidFill>
+                  <a:schemeClr val="bg1">
+                    <a:lumMod val="75000"/>
+                    <a:lumOff val="25000"/>
+                  </a:schemeClr>
+                </a:solidFill>
+                <a:latin typeface="Arial Unicode MS" pitchFamily="34" charset="-128"/>
+                <a:ea typeface="Arial Unicode MS" pitchFamily="34" charset="-128"/>
+                <a:cs typeface="Arial Unicode MS" pitchFamily="34" charset="-128"/>
+              </a:rPr>
+              <a:t>maximum limit now displays on the </a:t>
+            </a:r>
+            <a:endParaRPr lang="en-US" sz="3300" dirty="0" smtClean="0">
+              <a:ln>
+                <a:solidFill>
+                  <a:schemeClr val="bg1">
+                    <a:lumMod val="75000"/>
+                    <a:lumOff val="25000"/>
+                  </a:schemeClr>
+                </a:solidFill>
+              </a:ln>
+              <a:solidFill>
+                <a:schemeClr val="bg1">
+                  <a:lumMod val="75000"/>
+                  <a:lumOff val="25000"/>
+                </a:schemeClr>
+              </a:solidFill>
+              <a:latin typeface="Arial Unicode MS" pitchFamily="34" charset="-128"/>
+              <a:ea typeface="Arial Unicode MS" pitchFamily="34" charset="-128"/>
+              <a:cs typeface="Arial Unicode MS" pitchFamily="34" charset="-128"/>
+            </a:endParaRPr>
+          </a:p>
+          <a:p>
+            <a:r>
+              <a:rPr lang="en-US" sz="3300" dirty="0" smtClean="0">
+                <a:ln>
+                  <a:solidFill>
+                    <a:schemeClr val="bg1">
+                      <a:lumMod val="75000"/>
+                      <a:lumOff val="25000"/>
+                    </a:schemeClr>
+                  </a:solidFill>
+                </a:ln>
+                <a:solidFill>
+                  <a:schemeClr val="bg1">
+                    <a:lumMod val="75000"/>
+                    <a:lumOff val="25000"/>
+                  </a:schemeClr>
+                </a:solidFill>
+                <a:latin typeface="Arial Unicode MS" pitchFamily="34" charset="-128"/>
+                <a:ea typeface="Arial Unicode MS" pitchFamily="34" charset="-128"/>
+                <a:cs typeface="Arial Unicode MS" pitchFamily="34" charset="-128"/>
+              </a:rPr>
+              <a:t> </a:t>
+            </a:r>
+            <a:r>
+              <a:rPr lang="en-US" sz="3300" dirty="0" smtClean="0">
+                <a:ln>
+                  <a:solidFill>
+                    <a:schemeClr val="bg1">
+                      <a:lumMod val="75000"/>
+                      <a:lumOff val="25000"/>
+                    </a:schemeClr>
+                  </a:solidFill>
+                </a:ln>
+                <a:solidFill>
+                  <a:schemeClr val="bg1">
+                    <a:lumMod val="75000"/>
+                    <a:lumOff val="25000"/>
+                  </a:schemeClr>
+                </a:solidFill>
+                <a:latin typeface="Arial Unicode MS" pitchFamily="34" charset="-128"/>
+                <a:ea typeface="Arial Unicode MS" pitchFamily="34" charset="-128"/>
+                <a:cs typeface="Arial Unicode MS" pitchFamily="34" charset="-128"/>
+              </a:rPr>
+              <a:t>  </a:t>
+            </a:r>
+            <a:r>
+              <a:rPr lang="en-US" sz="3300" dirty="0" smtClean="0">
+                <a:ln>
+                  <a:solidFill>
+                    <a:schemeClr val="bg1">
+                      <a:lumMod val="75000"/>
+                      <a:lumOff val="25000"/>
+                    </a:schemeClr>
+                  </a:solidFill>
+                </a:ln>
+                <a:solidFill>
+                  <a:schemeClr val="bg1">
+                    <a:lumMod val="75000"/>
+                    <a:lumOff val="25000"/>
+                  </a:schemeClr>
+                </a:solidFill>
+                <a:latin typeface="Arial Unicode MS" pitchFamily="34" charset="-128"/>
+                <a:ea typeface="Arial Unicode MS" pitchFamily="34" charset="-128"/>
+                <a:cs typeface="Arial Unicode MS" pitchFamily="34" charset="-128"/>
+              </a:rPr>
+              <a:t>sign </a:t>
+            </a:r>
+            <a:r>
+              <a:rPr lang="en-US" sz="3300" dirty="0" smtClean="0">
+                <a:ln>
+                  <a:solidFill>
+                    <a:schemeClr val="bg1">
+                      <a:lumMod val="75000"/>
+                      <a:lumOff val="25000"/>
+                    </a:schemeClr>
+                  </a:solidFill>
+                </a:ln>
+                <a:solidFill>
+                  <a:schemeClr val="bg1">
+                    <a:lumMod val="75000"/>
+                    <a:lumOff val="25000"/>
+                  </a:schemeClr>
+                </a:solidFill>
+                <a:latin typeface="Arial Unicode MS" pitchFamily="34" charset="-128"/>
+                <a:ea typeface="Arial Unicode MS" pitchFamily="34" charset="-128"/>
+                <a:cs typeface="Arial Unicode MS" pitchFamily="34" charset="-128"/>
+              </a:rPr>
+              <a:t>up page</a:t>
+            </a:r>
+          </a:p>
+          <a:p>
+            <a:r>
+              <a:rPr lang="en-US" sz="3300" dirty="0" smtClean="0">
+                <a:ln>
+                  <a:solidFill>
+                    <a:schemeClr val="bg1">
+                      <a:lumMod val="75000"/>
+                      <a:lumOff val="25000"/>
+                    </a:schemeClr>
+                  </a:solidFill>
+                </a:ln>
+                <a:solidFill>
+                  <a:schemeClr val="bg1">
+                    <a:lumMod val="75000"/>
+                    <a:lumOff val="25000"/>
+                  </a:schemeClr>
+                </a:solidFill>
+                <a:latin typeface="Arial Unicode MS" pitchFamily="34" charset="-128"/>
+                <a:ea typeface="Arial Unicode MS" pitchFamily="34" charset="-128"/>
+                <a:cs typeface="Arial Unicode MS" pitchFamily="34" charset="-128"/>
+              </a:rPr>
+              <a:t>~ Help </a:t>
+            </a:r>
+            <a:r>
+              <a:rPr lang="en-US" sz="3300" dirty="0" smtClean="0">
+                <a:ln>
+                  <a:solidFill>
+                    <a:schemeClr val="bg1">
+                      <a:lumMod val="75000"/>
+                      <a:lumOff val="25000"/>
+                    </a:schemeClr>
+                  </a:solidFill>
+                </a:ln>
+                <a:solidFill>
+                  <a:schemeClr val="bg1">
+                    <a:lumMod val="75000"/>
+                    <a:lumOff val="25000"/>
+                  </a:schemeClr>
+                </a:solidFill>
+                <a:latin typeface="Arial Unicode MS" pitchFamily="34" charset="-128"/>
+                <a:ea typeface="Arial Unicode MS" pitchFamily="34" charset="-128"/>
+                <a:cs typeface="Arial Unicode MS" pitchFamily="34" charset="-128"/>
+              </a:rPr>
+              <a:t>popovers for usability</a:t>
+            </a:r>
+          </a:p>
+          <a:p>
+            <a:r>
+              <a:rPr lang="en-US" sz="3300" dirty="0" smtClean="0">
+                <a:ln>
+                  <a:solidFill>
+                    <a:schemeClr val="bg1">
+                      <a:lumMod val="75000"/>
+                      <a:lumOff val="25000"/>
+                    </a:schemeClr>
+                  </a:solidFill>
+                </a:ln>
+                <a:solidFill>
+                  <a:schemeClr val="bg1">
+                    <a:lumMod val="75000"/>
+                    <a:lumOff val="25000"/>
+                  </a:schemeClr>
+                </a:solidFill>
+                <a:latin typeface="Arial Unicode MS" pitchFamily="34" charset="-128"/>
+                <a:ea typeface="Arial Unicode MS" pitchFamily="34" charset="-128"/>
+                <a:cs typeface="Arial Unicode MS" pitchFamily="34" charset="-128"/>
+              </a:rPr>
+              <a:t>~ Bootstrap </a:t>
+            </a:r>
+            <a:r>
+              <a:rPr lang="en-US" sz="3300" dirty="0" smtClean="0">
+                <a:ln>
+                  <a:solidFill>
+                    <a:schemeClr val="bg1">
+                      <a:lumMod val="75000"/>
+                      <a:lumOff val="25000"/>
+                    </a:schemeClr>
+                  </a:solidFill>
+                </a:ln>
+                <a:solidFill>
+                  <a:schemeClr val="bg1">
+                    <a:lumMod val="75000"/>
+                    <a:lumOff val="25000"/>
+                  </a:schemeClr>
+                </a:solidFill>
+                <a:latin typeface="Arial Unicode MS" pitchFamily="34" charset="-128"/>
+                <a:ea typeface="Arial Unicode MS" pitchFamily="34" charset="-128"/>
+                <a:cs typeface="Arial Unicode MS" pitchFamily="34" charset="-128"/>
+              </a:rPr>
+              <a:t>alert boxes</a:t>
+            </a:r>
+          </a:p>
+          <a:p>
+            <a:r>
+              <a:rPr lang="en-US" sz="3300" dirty="0" smtClean="0">
+                <a:ln>
+                  <a:solidFill>
+                    <a:schemeClr val="bg1">
+                      <a:lumMod val="75000"/>
+                      <a:lumOff val="25000"/>
+                    </a:schemeClr>
+                  </a:solidFill>
+                </a:ln>
+                <a:solidFill>
+                  <a:schemeClr val="bg1">
+                    <a:lumMod val="75000"/>
+                    <a:lumOff val="25000"/>
+                  </a:schemeClr>
+                </a:solidFill>
+                <a:latin typeface="Arial Unicode MS" pitchFamily="34" charset="-128"/>
+                <a:ea typeface="Arial Unicode MS" pitchFamily="34" charset="-128"/>
+                <a:cs typeface="Arial Unicode MS" pitchFamily="34" charset="-128"/>
+              </a:rPr>
+              <a:t>~ Documentation </a:t>
+            </a:r>
+            <a:r>
+              <a:rPr lang="en-US" sz="3300" dirty="0" smtClean="0">
+                <a:ln>
+                  <a:solidFill>
+                    <a:schemeClr val="bg1">
+                      <a:lumMod val="75000"/>
+                      <a:lumOff val="25000"/>
+                    </a:schemeClr>
+                  </a:solidFill>
+                </a:ln>
+                <a:solidFill>
+                  <a:schemeClr val="bg1">
+                    <a:lumMod val="75000"/>
+                    <a:lumOff val="25000"/>
+                  </a:schemeClr>
+                </a:solidFill>
+                <a:latin typeface="Arial Unicode MS" pitchFamily="34" charset="-128"/>
+                <a:ea typeface="Arial Unicode MS" pitchFamily="34" charset="-128"/>
+                <a:cs typeface="Arial Unicode MS" pitchFamily="34" charset="-128"/>
+              </a:rPr>
+              <a:t>and tests updated</a:t>
             </a:r>
             <a:endParaRPr lang="en-US" sz="3300" dirty="0">
               <a:ln>
@@ -5495,10 +6063,10 @@
           <p:nvPr/>
         </p:nvPicPr>
         <p:blipFill>
-          <a:blip r:embed="rId2">
+          <a:blip r:embed="rId2" cstate="print">
             <a:extLst>
               <a:ext uri="{28A0092B-C50C-407E-A947-70E740481C1C}">
-                <a14:useLocalDpi xmlns:a14="http://schemas.microsoft.com/office/drawing/2010/main" val="0"/>
+                <a14:useLocalDpi xmlns:a14="http://schemas.microsoft.com/office/drawing/2010/main" xmlns="" val="0"/>
               </a:ext>
             </a:extLst>
           </a:blip>
@@ -5822,32 +6390,28 @@
       </p:sp>
       <p:pic>
         <p:nvPicPr>
-          <p:cNvPr id="2" name="Picture 1"/>
+          <p:cNvPr id="1026" name="Picture 2" descr="C:\Users\Isabel\Desktop\01Main301\MainProjectCOS301\Demo\burndown.PNG"/>
           <p:cNvPicPr>
-            <a:picLocks noChangeAspect="1"/>
+            <a:picLocks noChangeAspect="1" noChangeArrowheads="1"/>
           </p:cNvPicPr>
           <p:nvPr/>
         </p:nvPicPr>
         <p:blipFill>
-          <a:blip r:embed="rId2">
-            <a:extLst>
-              <a:ext uri="{28A0092B-C50C-407E-A947-70E740481C1C}">
-                <a14:useLocalDpi xmlns:a14="http://schemas.microsoft.com/office/drawing/2010/main" val="0"/>
-              </a:ext>
-            </a:extLst>
-          </a:blip>
+          <a:blip r:embed="rId2" cstate="print"/>
+          <a:srcRect/>
           <a:stretch>
             <a:fillRect/>
           </a:stretch>
         </p:blipFill>
-        <p:spPr>
+        <p:spPr bwMode="auto">
           <a:xfrm>
-            <a:off x="1259632" y="1900813"/>
-            <a:ext cx="6679284" cy="4075836"/>
+            <a:off x="1331640" y="1916832"/>
+            <a:ext cx="6552728" cy="3946453"/>
           </a:xfrm>
           <a:prstGeom prst="rect">
             <a:avLst/>
           </a:prstGeom>
+          <a:noFill/>
         </p:spPr>
       </p:pic>
     </p:spTree>
@@ -5951,7 +6515,7 @@
       </p:sp>
       <p:pic>
         <p:nvPicPr>
-          <p:cNvPr id="5" name="Picture 2" descr="https://kendallwilson3.files.wordpress.com/2014/11/slider-baby-excited-940x420.jpg"/>
+          <p:cNvPr id="2050" name="Picture 2" descr="C:\Users\Isabel\Desktop\01Main301\MainProjectCOS301\Demo\funny.jpg"/>
           <p:cNvPicPr>
             <a:picLocks noChangeAspect="1" noChangeArrowheads="1"/>
           </p:cNvPicPr>
@@ -5966,8 +6530,8 @@
         </p:blipFill>
         <p:spPr bwMode="auto">
           <a:xfrm>
-            <a:off x="664790" y="2636912"/>
-            <a:ext cx="7867650" cy="3514726"/>
+            <a:off x="2195736" y="3068960"/>
+            <a:ext cx="4523890" cy="3008387"/>
           </a:xfrm>
           <a:prstGeom prst="rect">
             <a:avLst/>
@@ -6013,7 +6577,7 @@
 <file path=ppt/theme/theme1.xml><?xml version="1.0" encoding="utf-8"?>
 <a:theme xmlns:a="http://schemas.openxmlformats.org/drawingml/2006/main" name="Paper">
   <a:themeElements>
-    <a:clrScheme name="Paper">
+    <a:clrScheme name="Aspect">
       <a:dk1>
         <a:sysClr val="windowText" lastClr="000000"/>
       </a:dk1>
@@ -6021,34 +6585,34 @@
         <a:sysClr val="window" lastClr="FFFFFF"/>
       </a:lt1>
       <a:dk2>
-        <a:srgbClr val="444D26"/>
+        <a:srgbClr val="323232"/>
       </a:dk2>
       <a:lt2>
-        <a:srgbClr val="FEFAC9"/>
+        <a:srgbClr val="E3DED1"/>
       </a:lt2>
       <a:accent1>
-        <a:srgbClr val="A5B592"/>
+        <a:srgbClr val="F07F09"/>
       </a:accent1>
       <a:accent2>
-        <a:srgbClr val="F3A447"/>
+        <a:srgbClr val="9F2936"/>
       </a:accent2>
       <a:accent3>
-        <a:srgbClr val="E7BC29"/>
+        <a:srgbClr val="1B587C"/>
       </a:accent3>
       <a:accent4>
-        <a:srgbClr val="D092A7"/>
+        <a:srgbClr val="4E8542"/>
       </a:accent4>
       <a:accent5>
-        <a:srgbClr val="9C85C0"/>
+        <a:srgbClr val="604878"/>
       </a:accent5>
       <a:accent6>
-        <a:srgbClr val="809EC2"/>
+        <a:srgbClr val="C19859"/>
       </a:accent6>
       <a:hlink>
-        <a:srgbClr val="8E58B6"/>
+        <a:srgbClr val="6B9F25"/>
       </a:hlink>
       <a:folHlink>
-        <a:srgbClr val="7F6F6F"/>
+        <a:srgbClr val="B26B02"/>
       </a:folHlink>
     </a:clrScheme>
     <a:fontScheme name="Paper">
